--- a/Supervised ML.pptx
+++ b/Supervised ML.pptx
@@ -107,6 +107,11 @@
       </a:defRPr>
     </a:lvl9pPr>
   </p:defaultTextStyle>
+  <p:extLst>
+    <p:ext uri="{EFAFB233-063F-42B5-8137-9DF3F51BA10A}">
+      <p15:sldGuideLst xmlns:p15="http://schemas.microsoft.com/office/powerpoint/2012/main"/>
+    </p:ext>
+  </p:extLst>
 </p:presentation>
 </file>
 
@@ -3359,7 +3364,7 @@
         </p:nvGrpSpPr>
         <p:grpSpPr>
           <a:xfrm>
-            <a:off x="785283" y="1146770"/>
+            <a:off x="785283" y="684510"/>
             <a:ext cx="10221385" cy="5488980"/>
             <a:chOff x="785283" y="1146770"/>
             <a:chExt cx="10221385" cy="5488980"/>
@@ -3539,7 +3544,7 @@
         </p:nvGrpSpPr>
         <p:grpSpPr>
           <a:xfrm>
-            <a:off x="508000" y="995918"/>
+            <a:off x="976351" y="728289"/>
             <a:ext cx="9897533" cy="4458732"/>
             <a:chOff x="508000" y="995918"/>
             <a:chExt cx="9897533" cy="4458732"/>
